--- a/PaperPresentation02202020.pptx
+++ b/PaperPresentation02202020.pptx
@@ -6,6 +6,16 @@
   </p:sldMasterIdLst>
   <p:sldIdLst>
     <p:sldId id="256" r:id="rId2"/>
+    <p:sldId id="259" r:id="rId3"/>
+    <p:sldId id="258" r:id="rId4"/>
+    <p:sldId id="261" r:id="rId5"/>
+    <p:sldId id="257" r:id="rId6"/>
+    <p:sldId id="262" r:id="rId7"/>
+    <p:sldId id="260" r:id="rId8"/>
+    <p:sldId id="263" r:id="rId9"/>
+    <p:sldId id="264" r:id="rId10"/>
+    <p:sldId id="265" r:id="rId11"/>
+    <p:sldId id="266" r:id="rId12"/>
   </p:sldIdLst>
   <p:sldSz cx="12192000" cy="6858000"/>
   <p:notesSz cx="6858000" cy="9144000"/>
@@ -104,6 +114,11 @@
       </a:defRPr>
     </a:lvl9pPr>
   </p:defaultTextStyle>
+  <p:extLst>
+    <p:ext uri="{EFAFB233-063F-42B5-8137-9DF3F51BA10A}">
+      <p15:sldGuideLst xmlns:p15="http://schemas.microsoft.com/office/powerpoint/2012/main"/>
+    </p:ext>
+  </p:extLst>
 </p:presentation>
 </file>
 
@@ -254,7 +269,7 @@
           <a:p>
             <a:fld id="{92629568-FA20-4182-B903-BA13D75D2578}" type="datetimeFigureOut">
               <a:rPr lang="en-US" smtClean="0"/>
-              <a:t>2/12/2020</a:t>
+              <a:t>2/13/2020</a:t>
             </a:fld>
             <a:endParaRPr lang="en-US"/>
           </a:p>
@@ -452,7 +467,7 @@
           <a:p>
             <a:fld id="{92629568-FA20-4182-B903-BA13D75D2578}" type="datetimeFigureOut">
               <a:rPr lang="en-US" smtClean="0"/>
-              <a:t>2/12/2020</a:t>
+              <a:t>2/13/2020</a:t>
             </a:fld>
             <a:endParaRPr lang="en-US"/>
           </a:p>
@@ -660,7 +675,7 @@
           <a:p>
             <a:fld id="{92629568-FA20-4182-B903-BA13D75D2578}" type="datetimeFigureOut">
               <a:rPr lang="en-US" smtClean="0"/>
-              <a:t>2/12/2020</a:t>
+              <a:t>2/13/2020</a:t>
             </a:fld>
             <a:endParaRPr lang="en-US"/>
           </a:p>
@@ -858,7 +873,7 @@
           <a:p>
             <a:fld id="{92629568-FA20-4182-B903-BA13D75D2578}" type="datetimeFigureOut">
               <a:rPr lang="en-US" smtClean="0"/>
-              <a:t>2/12/2020</a:t>
+              <a:t>2/13/2020</a:t>
             </a:fld>
             <a:endParaRPr lang="en-US"/>
           </a:p>
@@ -1133,7 +1148,7 @@
           <a:p>
             <a:fld id="{92629568-FA20-4182-B903-BA13D75D2578}" type="datetimeFigureOut">
               <a:rPr lang="en-US" smtClean="0"/>
-              <a:t>2/12/2020</a:t>
+              <a:t>2/13/2020</a:t>
             </a:fld>
             <a:endParaRPr lang="en-US"/>
           </a:p>
@@ -1398,7 +1413,7 @@
           <a:p>
             <a:fld id="{92629568-FA20-4182-B903-BA13D75D2578}" type="datetimeFigureOut">
               <a:rPr lang="en-US" smtClean="0"/>
-              <a:t>2/12/2020</a:t>
+              <a:t>2/13/2020</a:t>
             </a:fld>
             <a:endParaRPr lang="en-US"/>
           </a:p>
@@ -1810,7 +1825,7 @@
           <a:p>
             <a:fld id="{92629568-FA20-4182-B903-BA13D75D2578}" type="datetimeFigureOut">
               <a:rPr lang="en-US" smtClean="0"/>
-              <a:t>2/12/2020</a:t>
+              <a:t>2/13/2020</a:t>
             </a:fld>
             <a:endParaRPr lang="en-US"/>
           </a:p>
@@ -1951,7 +1966,7 @@
           <a:p>
             <a:fld id="{92629568-FA20-4182-B903-BA13D75D2578}" type="datetimeFigureOut">
               <a:rPr lang="en-US" smtClean="0"/>
-              <a:t>2/12/2020</a:t>
+              <a:t>2/13/2020</a:t>
             </a:fld>
             <a:endParaRPr lang="en-US"/>
           </a:p>
@@ -2064,7 +2079,7 @@
           <a:p>
             <a:fld id="{92629568-FA20-4182-B903-BA13D75D2578}" type="datetimeFigureOut">
               <a:rPr lang="en-US" smtClean="0"/>
-              <a:t>2/12/2020</a:t>
+              <a:t>2/13/2020</a:t>
             </a:fld>
             <a:endParaRPr lang="en-US"/>
           </a:p>
@@ -2375,7 +2390,7 @@
           <a:p>
             <a:fld id="{92629568-FA20-4182-B903-BA13D75D2578}" type="datetimeFigureOut">
               <a:rPr lang="en-US" smtClean="0"/>
-              <a:t>2/12/2020</a:t>
+              <a:t>2/13/2020</a:t>
             </a:fld>
             <a:endParaRPr lang="en-US"/>
           </a:p>
@@ -2663,7 +2678,7 @@
           <a:p>
             <a:fld id="{92629568-FA20-4182-B903-BA13D75D2578}" type="datetimeFigureOut">
               <a:rPr lang="en-US" smtClean="0"/>
-              <a:t>2/12/2020</a:t>
+              <a:t>2/13/2020</a:t>
             </a:fld>
             <a:endParaRPr lang="en-US"/>
           </a:p>
@@ -2904,7 +2919,7 @@
           <a:p>
             <a:fld id="{92629568-FA20-4182-B903-BA13D75D2578}" type="datetimeFigureOut">
               <a:rPr lang="en-US" smtClean="0"/>
-              <a:t>2/12/2020</a:t>
+              <a:t>2/13/2020</a:t>
             </a:fld>
             <a:endParaRPr lang="en-US"/>
           </a:p>
@@ -3339,12 +3354,14 @@
         </p:nvSpPr>
         <p:spPr/>
         <p:txBody>
-          <a:bodyPr/>
+          <a:bodyPr>
+            <a:normAutofit fontScale="90000"/>
+          </a:bodyPr>
           <a:lstStyle/>
           <a:p>
             <a:r>
               <a:rPr lang="en-US" dirty="0"/>
-              <a:t>Pain in The Neck</a:t>
+              <a:t>Understanding Idiomatic Langauge using Neural Networks</a:t>
             </a:r>
           </a:p>
         </p:txBody>
@@ -3370,7 +3387,32 @@
           <a:bodyPr/>
           <a:lstStyle/>
           <a:p>
-            <a:endParaRPr lang="en-US"/>
+            <a:r>
+              <a:rPr lang="en-US" dirty="0"/>
+              <a:t>Ling 575 Group 1: Josh Tanner, Paige Finkelstein, Wes Rose, Elena </a:t>
+            </a:r>
+            <a:r>
+              <a:rPr lang="en-US" dirty="0" err="1"/>
+              <a:t>Khasanova</a:t>
+            </a:r>
+            <a:r>
+              <a:rPr lang="en-US" dirty="0"/>
+              <a:t>, and Daniel Campos</a:t>
+            </a:r>
+          </a:p>
+          <a:p>
+            <a:r>
+              <a:rPr lang="en-US" dirty="0"/>
+              <a:t>February 20</a:t>
+            </a:r>
+            <a:r>
+              <a:rPr lang="en-US" baseline="30000" dirty="0"/>
+              <a:t>th</a:t>
+            </a:r>
+            <a:r>
+              <a:rPr lang="en-US" dirty="0"/>
+              <a:t>, 2020</a:t>
+            </a:r>
           </a:p>
         </p:txBody>
       </p:sp>
@@ -3378,6 +3420,1001 @@
     <p:extLst>
       <p:ext uri="{BB962C8B-B14F-4D97-AF65-F5344CB8AC3E}">
         <p14:creationId xmlns:p14="http://schemas.microsoft.com/office/powerpoint/2010/main" val="2998943017"/>
+      </p:ext>
+    </p:extLst>
+  </p:cSld>
+  <p:clrMapOvr>
+    <a:masterClrMapping/>
+  </p:clrMapOvr>
+</p:sld>
+</file>
+
+<file path=ppt/slides/slide10.xml><?xml version="1.0" encoding="utf-8"?>
+<p:sld xmlns:a="http://schemas.openxmlformats.org/drawingml/2006/main" xmlns:r="http://schemas.openxmlformats.org/officeDocument/2006/relationships" xmlns:p="http://schemas.openxmlformats.org/presentationml/2006/main">
+  <p:cSld>
+    <p:spTree>
+      <p:nvGrpSpPr>
+        <p:cNvPr id="1" name=""/>
+        <p:cNvGrpSpPr/>
+        <p:nvPr/>
+      </p:nvGrpSpPr>
+      <p:grpSpPr>
+        <a:xfrm>
+          <a:off x="0" y="0"/>
+          <a:ext cx="0" cy="0"/>
+          <a:chOff x="0" y="0"/>
+          <a:chExt cx="0" cy="0"/>
+        </a:xfrm>
+      </p:grpSpPr>
+      <p:sp>
+        <p:nvSpPr>
+          <p:cNvPr id="2" name="Title 1">
+            <a:extLst>
+              <a:ext uri="{FF2B5EF4-FFF2-40B4-BE49-F238E27FC236}">
+                <a16:creationId xmlns:a16="http://schemas.microsoft.com/office/drawing/2014/main" id="{A584056C-CE01-4493-82F1-3EB937C46D58}"/>
+              </a:ext>
+            </a:extLst>
+          </p:cNvPr>
+          <p:cNvSpPr>
+            <a:spLocks noGrp="1"/>
+          </p:cNvSpPr>
+          <p:nvPr>
+            <p:ph type="title"/>
+          </p:nvPr>
+        </p:nvSpPr>
+        <p:spPr/>
+        <p:txBody>
+          <a:bodyPr/>
+          <a:lstStyle/>
+          <a:p>
+            <a:r>
+              <a:rPr lang="en-US" dirty="0"/>
+              <a:t>Method of Evaluation</a:t>
+            </a:r>
+          </a:p>
+        </p:txBody>
+      </p:sp>
+      <p:sp>
+        <p:nvSpPr>
+          <p:cNvPr id="3" name="Content Placeholder 2">
+            <a:extLst>
+              <a:ext uri="{FF2B5EF4-FFF2-40B4-BE49-F238E27FC236}">
+                <a16:creationId xmlns:a16="http://schemas.microsoft.com/office/drawing/2014/main" id="{1353AE26-C97F-4F1B-8253-B903D86A9DA8}"/>
+              </a:ext>
+            </a:extLst>
+          </p:cNvPr>
+          <p:cNvSpPr>
+            <a:spLocks noGrp="1"/>
+          </p:cNvSpPr>
+          <p:nvPr>
+            <p:ph idx="1"/>
+          </p:nvPr>
+        </p:nvSpPr>
+        <p:spPr/>
+        <p:txBody>
+          <a:bodyPr/>
+          <a:lstStyle/>
+          <a:p>
+            <a:endParaRPr lang="en-US"/>
+          </a:p>
+        </p:txBody>
+      </p:sp>
+    </p:spTree>
+    <p:extLst>
+      <p:ext uri="{BB962C8B-B14F-4D97-AF65-F5344CB8AC3E}">
+        <p14:creationId xmlns:p14="http://schemas.microsoft.com/office/powerpoint/2010/main" val="3224659848"/>
+      </p:ext>
+    </p:extLst>
+  </p:cSld>
+  <p:clrMapOvr>
+    <a:masterClrMapping/>
+  </p:clrMapOvr>
+</p:sld>
+</file>
+
+<file path=ppt/slides/slide11.xml><?xml version="1.0" encoding="utf-8"?>
+<p:sld xmlns:a="http://schemas.openxmlformats.org/drawingml/2006/main" xmlns:r="http://schemas.openxmlformats.org/officeDocument/2006/relationships" xmlns:p="http://schemas.openxmlformats.org/presentationml/2006/main">
+  <p:cSld>
+    <p:spTree>
+      <p:nvGrpSpPr>
+        <p:cNvPr id="1" name=""/>
+        <p:cNvGrpSpPr/>
+        <p:nvPr/>
+      </p:nvGrpSpPr>
+      <p:grpSpPr>
+        <a:xfrm>
+          <a:off x="0" y="0"/>
+          <a:ext cx="0" cy="0"/>
+          <a:chOff x="0" y="0"/>
+          <a:chExt cx="0" cy="0"/>
+        </a:xfrm>
+      </p:grpSpPr>
+      <p:sp>
+        <p:nvSpPr>
+          <p:cNvPr id="2" name="Title 1">
+            <a:extLst>
+              <a:ext uri="{FF2B5EF4-FFF2-40B4-BE49-F238E27FC236}">
+                <a16:creationId xmlns:a16="http://schemas.microsoft.com/office/drawing/2014/main" id="{4C1CC5F4-B06A-425C-9E8E-94F2C5DEB812}"/>
+              </a:ext>
+            </a:extLst>
+          </p:cNvPr>
+          <p:cNvSpPr>
+            <a:spLocks noGrp="1"/>
+          </p:cNvSpPr>
+          <p:nvPr>
+            <p:ph type="title"/>
+          </p:nvPr>
+        </p:nvSpPr>
+        <p:spPr/>
+        <p:txBody>
+          <a:bodyPr/>
+          <a:lstStyle/>
+          <a:p>
+            <a:r>
+              <a:rPr lang="en-US" dirty="0" err="1"/>
+              <a:t>Guiden</a:t>
+            </a:r>
+            <a:r>
+              <a:rPr lang="en-US" dirty="0"/>
+              <a:t> Q&amp;A</a:t>
+            </a:r>
+          </a:p>
+        </p:txBody>
+      </p:sp>
+      <p:sp>
+        <p:nvSpPr>
+          <p:cNvPr id="3" name="Content Placeholder 2">
+            <a:extLst>
+              <a:ext uri="{FF2B5EF4-FFF2-40B4-BE49-F238E27FC236}">
+                <a16:creationId xmlns:a16="http://schemas.microsoft.com/office/drawing/2014/main" id="{F2685D05-5935-4F44-A0C8-5EE8A34E07B3}"/>
+              </a:ext>
+            </a:extLst>
+          </p:cNvPr>
+          <p:cNvSpPr>
+            <a:spLocks noGrp="1"/>
+          </p:cNvSpPr>
+          <p:nvPr>
+            <p:ph idx="1"/>
+          </p:nvPr>
+        </p:nvSpPr>
+        <p:spPr/>
+        <p:txBody>
+          <a:bodyPr/>
+          <a:lstStyle/>
+          <a:p>
+            <a:r>
+              <a:rPr lang="en-US" dirty="0"/>
+              <a:t>Sample Question 1</a:t>
+            </a:r>
+          </a:p>
+          <a:p>
+            <a:r>
+              <a:rPr lang="en-US" dirty="0"/>
+              <a:t>Sample Question 2</a:t>
+            </a:r>
+          </a:p>
+          <a:p>
+            <a:endParaRPr lang="en-US" dirty="0"/>
+          </a:p>
+        </p:txBody>
+      </p:sp>
+    </p:spTree>
+    <p:extLst>
+      <p:ext uri="{BB962C8B-B14F-4D97-AF65-F5344CB8AC3E}">
+        <p14:creationId xmlns:p14="http://schemas.microsoft.com/office/powerpoint/2010/main" val="3681167095"/>
+      </p:ext>
+    </p:extLst>
+  </p:cSld>
+  <p:clrMapOvr>
+    <a:masterClrMapping/>
+  </p:clrMapOvr>
+</p:sld>
+</file>
+
+<file path=ppt/slides/slide2.xml><?xml version="1.0" encoding="utf-8"?>
+<p:sld xmlns:a="http://schemas.openxmlformats.org/drawingml/2006/main" xmlns:r="http://schemas.openxmlformats.org/officeDocument/2006/relationships" xmlns:p="http://schemas.openxmlformats.org/presentationml/2006/main">
+  <p:cSld>
+    <p:spTree>
+      <p:nvGrpSpPr>
+        <p:cNvPr id="1" name=""/>
+        <p:cNvGrpSpPr/>
+        <p:nvPr/>
+      </p:nvGrpSpPr>
+      <p:grpSpPr>
+        <a:xfrm>
+          <a:off x="0" y="0"/>
+          <a:ext cx="0" cy="0"/>
+          <a:chOff x="0" y="0"/>
+          <a:chExt cx="0" cy="0"/>
+        </a:xfrm>
+      </p:grpSpPr>
+      <p:sp>
+        <p:nvSpPr>
+          <p:cNvPr id="2" name="Title 1">
+            <a:extLst>
+              <a:ext uri="{FF2B5EF4-FFF2-40B4-BE49-F238E27FC236}">
+                <a16:creationId xmlns:a16="http://schemas.microsoft.com/office/drawing/2014/main" id="{37CD7323-CE25-4766-8201-A5D468B67EB2}"/>
+              </a:ext>
+            </a:extLst>
+          </p:cNvPr>
+          <p:cNvSpPr>
+            <a:spLocks noGrp="1"/>
+          </p:cNvSpPr>
+          <p:nvPr>
+            <p:ph type="title"/>
+          </p:nvPr>
+        </p:nvSpPr>
+        <p:spPr/>
+        <p:txBody>
+          <a:bodyPr/>
+          <a:lstStyle/>
+          <a:p>
+            <a:r>
+              <a:rPr lang="en-US" dirty="0"/>
+              <a:t>Outline</a:t>
+            </a:r>
+          </a:p>
+        </p:txBody>
+      </p:sp>
+      <p:sp>
+        <p:nvSpPr>
+          <p:cNvPr id="3" name="Content Placeholder 2">
+            <a:extLst>
+              <a:ext uri="{FF2B5EF4-FFF2-40B4-BE49-F238E27FC236}">
+                <a16:creationId xmlns:a16="http://schemas.microsoft.com/office/drawing/2014/main" id="{EEEA82BA-5246-474F-85BE-6C0BCF0742AB}"/>
+              </a:ext>
+            </a:extLst>
+          </p:cNvPr>
+          <p:cNvSpPr>
+            <a:spLocks noGrp="1"/>
+          </p:cNvSpPr>
+          <p:nvPr>
+            <p:ph idx="1"/>
+          </p:nvPr>
+        </p:nvSpPr>
+        <p:spPr/>
+        <p:txBody>
+          <a:bodyPr>
+            <a:normAutofit lnSpcReduction="10000"/>
+          </a:bodyPr>
+          <a:lstStyle/>
+          <a:p>
+            <a:r>
+              <a:rPr lang="en-US" dirty="0"/>
+              <a:t>Paper Introduction</a:t>
+            </a:r>
+          </a:p>
+          <a:p>
+            <a:r>
+              <a:rPr lang="en-US" dirty="0"/>
+              <a:t>Project Introduction</a:t>
+            </a:r>
+          </a:p>
+          <a:p>
+            <a:r>
+              <a:rPr lang="en-US" dirty="0"/>
+              <a:t>Idioms and Neural Networks (Daniel)</a:t>
+            </a:r>
+          </a:p>
+          <a:p>
+            <a:r>
+              <a:rPr lang="en-US" dirty="0"/>
+              <a:t>Q&amp;A</a:t>
+            </a:r>
+          </a:p>
+          <a:p>
+            <a:r>
+              <a:rPr lang="en-US" dirty="0"/>
+              <a:t>Evaluating NLM language Understanding (Wes)</a:t>
+            </a:r>
+          </a:p>
+          <a:p>
+            <a:r>
+              <a:rPr lang="en-US" dirty="0"/>
+              <a:t>Q&amp;A</a:t>
+            </a:r>
+          </a:p>
+          <a:p>
+            <a:r>
+              <a:rPr lang="en-US" dirty="0"/>
+              <a:t>Experiment Design</a:t>
+            </a:r>
+          </a:p>
+          <a:p>
+            <a:r>
+              <a:rPr lang="en-US" dirty="0"/>
+              <a:t>Method of Evaluation</a:t>
+            </a:r>
+          </a:p>
+          <a:p>
+            <a:r>
+              <a:rPr lang="en-US" dirty="0"/>
+              <a:t>Q&amp;A</a:t>
+            </a:r>
+          </a:p>
+          <a:p>
+            <a:endParaRPr lang="en-US" dirty="0"/>
+          </a:p>
+          <a:p>
+            <a:endParaRPr lang="en-US" dirty="0"/>
+          </a:p>
+          <a:p>
+            <a:endParaRPr lang="en-US" dirty="0"/>
+          </a:p>
+          <a:p>
+            <a:endParaRPr lang="en-US" dirty="0"/>
+          </a:p>
+        </p:txBody>
+      </p:sp>
+    </p:spTree>
+    <p:extLst>
+      <p:ext uri="{BB962C8B-B14F-4D97-AF65-F5344CB8AC3E}">
+        <p14:creationId xmlns:p14="http://schemas.microsoft.com/office/powerpoint/2010/main" val="158001656"/>
+      </p:ext>
+    </p:extLst>
+  </p:cSld>
+  <p:clrMapOvr>
+    <a:masterClrMapping/>
+  </p:clrMapOvr>
+</p:sld>
+</file>
+
+<file path=ppt/slides/slide3.xml><?xml version="1.0" encoding="utf-8"?>
+<p:sld xmlns:a="http://schemas.openxmlformats.org/drawingml/2006/main" xmlns:r="http://schemas.openxmlformats.org/officeDocument/2006/relationships" xmlns:p="http://schemas.openxmlformats.org/presentationml/2006/main">
+  <p:cSld>
+    <p:spTree>
+      <p:nvGrpSpPr>
+        <p:cNvPr id="1" name=""/>
+        <p:cNvGrpSpPr/>
+        <p:nvPr/>
+      </p:nvGrpSpPr>
+      <p:grpSpPr>
+        <a:xfrm>
+          <a:off x="0" y="0"/>
+          <a:ext cx="0" cy="0"/>
+          <a:chOff x="0" y="0"/>
+          <a:chExt cx="0" cy="0"/>
+        </a:xfrm>
+      </p:grpSpPr>
+      <p:sp>
+        <p:nvSpPr>
+          <p:cNvPr id="2" name="Title 1">
+            <a:extLst>
+              <a:ext uri="{FF2B5EF4-FFF2-40B4-BE49-F238E27FC236}">
+                <a16:creationId xmlns:a16="http://schemas.microsoft.com/office/drawing/2014/main" id="{41DE7385-71C0-49CE-A612-4A937B557FB2}"/>
+              </a:ext>
+            </a:extLst>
+          </p:cNvPr>
+          <p:cNvSpPr>
+            <a:spLocks noGrp="1"/>
+          </p:cNvSpPr>
+          <p:nvPr>
+            <p:ph type="title"/>
+          </p:nvPr>
+        </p:nvSpPr>
+        <p:spPr/>
+        <p:txBody>
+          <a:bodyPr/>
+          <a:lstStyle/>
+          <a:p>
+            <a:r>
+              <a:rPr lang="en-US" dirty="0"/>
+              <a:t>Papers </a:t>
+            </a:r>
+            <a:r>
+              <a:rPr lang="en-US" dirty="0" err="1"/>
+              <a:t>Intoduction</a:t>
+            </a:r>
+            <a:endParaRPr lang="en-US" dirty="0"/>
+          </a:p>
+        </p:txBody>
+      </p:sp>
+      <p:sp>
+        <p:nvSpPr>
+          <p:cNvPr id="3" name="Content Placeholder 2">
+            <a:extLst>
+              <a:ext uri="{FF2B5EF4-FFF2-40B4-BE49-F238E27FC236}">
+                <a16:creationId xmlns:a16="http://schemas.microsoft.com/office/drawing/2014/main" id="{919301ED-D9C9-4914-B440-31564FD7A9C0}"/>
+              </a:ext>
+            </a:extLst>
+          </p:cNvPr>
+          <p:cNvSpPr>
+            <a:spLocks noGrp="1"/>
+          </p:cNvSpPr>
+          <p:nvPr>
+            <p:ph idx="1"/>
+          </p:nvPr>
+        </p:nvSpPr>
+        <p:spPr/>
+        <p:txBody>
+          <a:bodyPr/>
+          <a:lstStyle/>
+          <a:p>
+            <a:r>
+              <a:rPr lang="en-US" dirty="0"/>
+              <a:t>What do Neural Networks Actually Learn, When They Learn to Identify Idioms? </a:t>
+            </a:r>
+            <a:r>
+              <a:rPr lang="en-US" dirty="0">
+                <a:hlinkClick r:id="rId2"/>
+              </a:rPr>
+              <a:t>LINK</a:t>
+            </a:r>
+            <a:endParaRPr lang="en-US" dirty="0"/>
+          </a:p>
+          <a:p>
+            <a:r>
+              <a:rPr lang="en-US" dirty="0"/>
+              <a:t>Still a Pain in the Neck: Evaluating Text Representations on Lexical Composition. </a:t>
+            </a:r>
+            <a:r>
+              <a:rPr lang="en-US" dirty="0">
+                <a:hlinkClick r:id="rId3"/>
+              </a:rPr>
+              <a:t>LINK</a:t>
+            </a:r>
+            <a:endParaRPr lang="en-US" dirty="0"/>
+          </a:p>
+          <a:p>
+            <a:endParaRPr lang="en-US" dirty="0"/>
+          </a:p>
+          <a:p>
+            <a:endParaRPr lang="en-US" dirty="0"/>
+          </a:p>
+        </p:txBody>
+      </p:sp>
+    </p:spTree>
+    <p:extLst>
+      <p:ext uri="{BB962C8B-B14F-4D97-AF65-F5344CB8AC3E}">
+        <p14:creationId xmlns:p14="http://schemas.microsoft.com/office/powerpoint/2010/main" val="3232812743"/>
+      </p:ext>
+    </p:extLst>
+  </p:cSld>
+  <p:clrMapOvr>
+    <a:masterClrMapping/>
+  </p:clrMapOvr>
+</p:sld>
+</file>
+
+<file path=ppt/slides/slide4.xml><?xml version="1.0" encoding="utf-8"?>
+<p:sld xmlns:a="http://schemas.openxmlformats.org/drawingml/2006/main" xmlns:r="http://schemas.openxmlformats.org/officeDocument/2006/relationships" xmlns:p="http://schemas.openxmlformats.org/presentationml/2006/main">
+  <p:cSld>
+    <p:spTree>
+      <p:nvGrpSpPr>
+        <p:cNvPr id="1" name=""/>
+        <p:cNvGrpSpPr/>
+        <p:nvPr/>
+      </p:nvGrpSpPr>
+      <p:grpSpPr>
+        <a:xfrm>
+          <a:off x="0" y="0"/>
+          <a:ext cx="0" cy="0"/>
+          <a:chOff x="0" y="0"/>
+          <a:chExt cx="0" cy="0"/>
+        </a:xfrm>
+      </p:grpSpPr>
+      <p:sp>
+        <p:nvSpPr>
+          <p:cNvPr id="2" name="Title 1">
+            <a:extLst>
+              <a:ext uri="{FF2B5EF4-FFF2-40B4-BE49-F238E27FC236}">
+                <a16:creationId xmlns:a16="http://schemas.microsoft.com/office/drawing/2014/main" id="{D1BD50BF-0A9B-464E-9289-E8B54EFA6C6D}"/>
+              </a:ext>
+            </a:extLst>
+          </p:cNvPr>
+          <p:cNvSpPr>
+            <a:spLocks noGrp="1"/>
+          </p:cNvSpPr>
+          <p:nvPr>
+            <p:ph type="title"/>
+          </p:nvPr>
+        </p:nvSpPr>
+        <p:spPr/>
+        <p:txBody>
+          <a:bodyPr/>
+          <a:lstStyle/>
+          <a:p>
+            <a:r>
+              <a:rPr lang="en-US" dirty="0"/>
+              <a:t>Project Introduction</a:t>
+            </a:r>
+          </a:p>
+        </p:txBody>
+      </p:sp>
+      <p:sp>
+        <p:nvSpPr>
+          <p:cNvPr id="3" name="Content Placeholder 2">
+            <a:extLst>
+              <a:ext uri="{FF2B5EF4-FFF2-40B4-BE49-F238E27FC236}">
+                <a16:creationId xmlns:a16="http://schemas.microsoft.com/office/drawing/2014/main" id="{8E91DFD7-39EC-4754-9CA6-21A67605E126}"/>
+              </a:ext>
+            </a:extLst>
+          </p:cNvPr>
+          <p:cNvSpPr>
+            <a:spLocks noGrp="1"/>
+          </p:cNvSpPr>
+          <p:nvPr>
+            <p:ph idx="1"/>
+          </p:nvPr>
+        </p:nvSpPr>
+        <p:spPr/>
+        <p:txBody>
+          <a:bodyPr/>
+          <a:lstStyle/>
+          <a:p>
+            <a:r>
+              <a:rPr lang="en-US" dirty="0"/>
+              <a:t>Can Neural Language Models Understand Idioms?</a:t>
+            </a:r>
+          </a:p>
+        </p:txBody>
+      </p:sp>
+    </p:spTree>
+    <p:extLst>
+      <p:ext uri="{BB962C8B-B14F-4D97-AF65-F5344CB8AC3E}">
+        <p14:creationId xmlns:p14="http://schemas.microsoft.com/office/powerpoint/2010/main" val="860290438"/>
+      </p:ext>
+    </p:extLst>
+  </p:cSld>
+  <p:clrMapOvr>
+    <a:masterClrMapping/>
+  </p:clrMapOvr>
+</p:sld>
+</file>
+
+<file path=ppt/slides/slide5.xml><?xml version="1.0" encoding="utf-8"?>
+<p:sld xmlns:a="http://schemas.openxmlformats.org/drawingml/2006/main" xmlns:r="http://schemas.openxmlformats.org/officeDocument/2006/relationships" xmlns:p="http://schemas.openxmlformats.org/presentationml/2006/main">
+  <p:cSld>
+    <p:spTree>
+      <p:nvGrpSpPr>
+        <p:cNvPr id="1" name=""/>
+        <p:cNvGrpSpPr/>
+        <p:nvPr/>
+      </p:nvGrpSpPr>
+      <p:grpSpPr>
+        <a:xfrm>
+          <a:off x="0" y="0"/>
+          <a:ext cx="0" cy="0"/>
+          <a:chOff x="0" y="0"/>
+          <a:chExt cx="0" cy="0"/>
+        </a:xfrm>
+      </p:grpSpPr>
+      <p:sp>
+        <p:nvSpPr>
+          <p:cNvPr id="2" name="Title 1">
+            <a:extLst>
+              <a:ext uri="{FF2B5EF4-FFF2-40B4-BE49-F238E27FC236}">
+                <a16:creationId xmlns:a16="http://schemas.microsoft.com/office/drawing/2014/main" id="{E8B3FFEA-3692-465C-A8D5-0D3409CCCFBE}"/>
+              </a:ext>
+            </a:extLst>
+          </p:cNvPr>
+          <p:cNvSpPr>
+            <a:spLocks noGrp="1"/>
+          </p:cNvSpPr>
+          <p:nvPr>
+            <p:ph type="title"/>
+          </p:nvPr>
+        </p:nvSpPr>
+        <p:spPr/>
+        <p:txBody>
+          <a:bodyPr>
+            <a:normAutofit/>
+          </a:bodyPr>
+          <a:lstStyle/>
+          <a:p>
+            <a:r>
+              <a:rPr lang="en-US" dirty="0"/>
+              <a:t>What do Neural Networks Actually Learn, When They Learn to Identify Idioms?</a:t>
+            </a:r>
+          </a:p>
+        </p:txBody>
+      </p:sp>
+      <p:sp>
+        <p:nvSpPr>
+          <p:cNvPr id="3" name="Content Placeholder 2">
+            <a:extLst>
+              <a:ext uri="{FF2B5EF4-FFF2-40B4-BE49-F238E27FC236}">
+                <a16:creationId xmlns:a16="http://schemas.microsoft.com/office/drawing/2014/main" id="{B2E955B9-5213-4AFB-92C9-0E8D9B42BD3F}"/>
+              </a:ext>
+            </a:extLst>
+          </p:cNvPr>
+          <p:cNvSpPr>
+            <a:spLocks noGrp="1"/>
+          </p:cNvSpPr>
+          <p:nvPr>
+            <p:ph idx="1"/>
+          </p:nvPr>
+        </p:nvSpPr>
+        <p:spPr/>
+        <p:txBody>
+          <a:bodyPr>
+            <a:normAutofit fontScale="92500" lnSpcReduction="20000"/>
+          </a:bodyPr>
+          <a:lstStyle/>
+          <a:p>
+            <a:r>
+              <a:rPr lang="en-US" dirty="0"/>
+              <a:t> This paper describes a probing task, where the authors took a neural model designed for idiom detection and investigate what exactly allows the network to identify idioms. They present 2 hypotheses and then test the hypotheses through ablation, by removing training data in a targeted way. The first hypothesis is that the network could be using the idea of concreteness vs. abstractness to identify idioms as compared to literal phrases. The second is that the network uses ambiguity as a factor, with the idea being that idioms are more ambiguous on average than literal language. They test the model with the most concrete literals removed, then again with the most ambiguous idioms remove. They find that performance dropped significantly with concrete literals removed, and that the performance dropped only marginally with the more ambiguous idioms removed. This supports the hypothesis that idiom detection, at least in the neural model examined, relies on the distinction between concrete and abstract language.</a:t>
+            </a:r>
+          </a:p>
+          <a:p>
+            <a:endParaRPr lang="en-US" dirty="0"/>
+          </a:p>
+        </p:txBody>
+      </p:sp>
+    </p:spTree>
+    <p:extLst>
+      <p:ext uri="{BB962C8B-B14F-4D97-AF65-F5344CB8AC3E}">
+        <p14:creationId xmlns:p14="http://schemas.microsoft.com/office/powerpoint/2010/main" val="538263941"/>
+      </p:ext>
+    </p:extLst>
+  </p:cSld>
+  <p:clrMapOvr>
+    <a:masterClrMapping/>
+  </p:clrMapOvr>
+</p:sld>
+</file>
+
+<file path=ppt/slides/slide6.xml><?xml version="1.0" encoding="utf-8"?>
+<p:sld xmlns:a="http://schemas.openxmlformats.org/drawingml/2006/main" xmlns:r="http://schemas.openxmlformats.org/officeDocument/2006/relationships" xmlns:p="http://schemas.openxmlformats.org/presentationml/2006/main">
+  <p:cSld>
+    <p:spTree>
+      <p:nvGrpSpPr>
+        <p:cNvPr id="1" name=""/>
+        <p:cNvGrpSpPr/>
+        <p:nvPr/>
+      </p:nvGrpSpPr>
+      <p:grpSpPr>
+        <a:xfrm>
+          <a:off x="0" y="0"/>
+          <a:ext cx="0" cy="0"/>
+          <a:chOff x="0" y="0"/>
+          <a:chExt cx="0" cy="0"/>
+        </a:xfrm>
+      </p:grpSpPr>
+      <p:sp>
+        <p:nvSpPr>
+          <p:cNvPr id="2" name="Title 1">
+            <a:extLst>
+              <a:ext uri="{FF2B5EF4-FFF2-40B4-BE49-F238E27FC236}">
+                <a16:creationId xmlns:a16="http://schemas.microsoft.com/office/drawing/2014/main" id="{4C1CC5F4-B06A-425C-9E8E-94F2C5DEB812}"/>
+              </a:ext>
+            </a:extLst>
+          </p:cNvPr>
+          <p:cNvSpPr>
+            <a:spLocks noGrp="1"/>
+          </p:cNvSpPr>
+          <p:nvPr>
+            <p:ph type="title"/>
+          </p:nvPr>
+        </p:nvSpPr>
+        <p:spPr/>
+        <p:txBody>
+          <a:bodyPr/>
+          <a:lstStyle/>
+          <a:p>
+            <a:r>
+              <a:rPr lang="en-US" dirty="0" err="1"/>
+              <a:t>Guiden</a:t>
+            </a:r>
+            <a:r>
+              <a:rPr lang="en-US" dirty="0"/>
+              <a:t> Q&amp;A</a:t>
+            </a:r>
+          </a:p>
+        </p:txBody>
+      </p:sp>
+      <p:sp>
+        <p:nvSpPr>
+          <p:cNvPr id="3" name="Content Placeholder 2">
+            <a:extLst>
+              <a:ext uri="{FF2B5EF4-FFF2-40B4-BE49-F238E27FC236}">
+                <a16:creationId xmlns:a16="http://schemas.microsoft.com/office/drawing/2014/main" id="{F2685D05-5935-4F44-A0C8-5EE8A34E07B3}"/>
+              </a:ext>
+            </a:extLst>
+          </p:cNvPr>
+          <p:cNvSpPr>
+            <a:spLocks noGrp="1"/>
+          </p:cNvSpPr>
+          <p:nvPr>
+            <p:ph idx="1"/>
+          </p:nvPr>
+        </p:nvSpPr>
+        <p:spPr/>
+        <p:txBody>
+          <a:bodyPr/>
+          <a:lstStyle/>
+          <a:p>
+            <a:r>
+              <a:rPr lang="en-US" dirty="0"/>
+              <a:t>Sample Question 1</a:t>
+            </a:r>
+          </a:p>
+          <a:p>
+            <a:r>
+              <a:rPr lang="en-US" dirty="0"/>
+              <a:t>Sample Question 2</a:t>
+            </a:r>
+          </a:p>
+          <a:p>
+            <a:endParaRPr lang="en-US" dirty="0"/>
+          </a:p>
+        </p:txBody>
+      </p:sp>
+    </p:spTree>
+    <p:extLst>
+      <p:ext uri="{BB962C8B-B14F-4D97-AF65-F5344CB8AC3E}">
+        <p14:creationId xmlns:p14="http://schemas.microsoft.com/office/powerpoint/2010/main" val="2531688188"/>
+      </p:ext>
+    </p:extLst>
+  </p:cSld>
+  <p:clrMapOvr>
+    <a:masterClrMapping/>
+  </p:clrMapOvr>
+</p:sld>
+</file>
+
+<file path=ppt/slides/slide7.xml><?xml version="1.0" encoding="utf-8"?>
+<p:sld xmlns:a="http://schemas.openxmlformats.org/drawingml/2006/main" xmlns:r="http://schemas.openxmlformats.org/officeDocument/2006/relationships" xmlns:p="http://schemas.openxmlformats.org/presentationml/2006/main">
+  <p:cSld>
+    <p:spTree>
+      <p:nvGrpSpPr>
+        <p:cNvPr id="1" name=""/>
+        <p:cNvGrpSpPr/>
+        <p:nvPr/>
+      </p:nvGrpSpPr>
+      <p:grpSpPr>
+        <a:xfrm>
+          <a:off x="0" y="0"/>
+          <a:ext cx="0" cy="0"/>
+          <a:chOff x="0" y="0"/>
+          <a:chExt cx="0" cy="0"/>
+        </a:xfrm>
+      </p:grpSpPr>
+      <p:sp>
+        <p:nvSpPr>
+          <p:cNvPr id="2" name="Title 1">
+            <a:extLst>
+              <a:ext uri="{FF2B5EF4-FFF2-40B4-BE49-F238E27FC236}">
+                <a16:creationId xmlns:a16="http://schemas.microsoft.com/office/drawing/2014/main" id="{E8B3FFEA-3692-465C-A8D5-0D3409CCCFBE}"/>
+              </a:ext>
+            </a:extLst>
+          </p:cNvPr>
+          <p:cNvSpPr>
+            <a:spLocks noGrp="1"/>
+          </p:cNvSpPr>
+          <p:nvPr>
+            <p:ph type="title"/>
+          </p:nvPr>
+        </p:nvSpPr>
+        <p:spPr/>
+        <p:txBody>
+          <a:bodyPr/>
+          <a:lstStyle/>
+          <a:p>
+            <a:r>
+              <a:rPr lang="en-US" dirty="0"/>
+              <a:t>Still a Pain in the Neck: Evaluating Text Representations on Lexical Composition.</a:t>
+            </a:r>
+          </a:p>
+        </p:txBody>
+      </p:sp>
+      <p:sp>
+        <p:nvSpPr>
+          <p:cNvPr id="3" name="Content Placeholder 2">
+            <a:extLst>
+              <a:ext uri="{FF2B5EF4-FFF2-40B4-BE49-F238E27FC236}">
+                <a16:creationId xmlns:a16="http://schemas.microsoft.com/office/drawing/2014/main" id="{B2E955B9-5213-4AFB-92C9-0E8D9B42BD3F}"/>
+              </a:ext>
+            </a:extLst>
+          </p:cNvPr>
+          <p:cNvSpPr>
+            <a:spLocks noGrp="1"/>
+          </p:cNvSpPr>
+          <p:nvPr>
+            <p:ph idx="1"/>
+          </p:nvPr>
+        </p:nvSpPr>
+        <p:spPr/>
+        <p:txBody>
+          <a:bodyPr>
+            <a:normAutofit/>
+          </a:bodyPr>
+          <a:lstStyle/>
+          <a:p>
+            <a:r>
+              <a:rPr lang="en-US" dirty="0"/>
+              <a:t>This paper addresses the challenge of understanding meanings of phrases. It gives some background on the problem before defining six classification tasks related to Lexical Compositionality and testing the performance of six different word representations on these tasks. The contextual representations, unsurprisingly, perform the best. Interestingly, they perform comparably to humans on the tasks intending to test meaning shift, while they perform far worse than humans on tasks related to implicit meaning.</a:t>
+            </a:r>
+          </a:p>
+        </p:txBody>
+      </p:sp>
+    </p:spTree>
+    <p:extLst>
+      <p:ext uri="{BB962C8B-B14F-4D97-AF65-F5344CB8AC3E}">
+        <p14:creationId xmlns:p14="http://schemas.microsoft.com/office/powerpoint/2010/main" val="1049272584"/>
+      </p:ext>
+    </p:extLst>
+  </p:cSld>
+  <p:clrMapOvr>
+    <a:masterClrMapping/>
+  </p:clrMapOvr>
+</p:sld>
+</file>
+
+<file path=ppt/slides/slide8.xml><?xml version="1.0" encoding="utf-8"?>
+<p:sld xmlns:a="http://schemas.openxmlformats.org/drawingml/2006/main" xmlns:r="http://schemas.openxmlformats.org/officeDocument/2006/relationships" xmlns:p="http://schemas.openxmlformats.org/presentationml/2006/main">
+  <p:cSld>
+    <p:spTree>
+      <p:nvGrpSpPr>
+        <p:cNvPr id="1" name=""/>
+        <p:cNvGrpSpPr/>
+        <p:nvPr/>
+      </p:nvGrpSpPr>
+      <p:grpSpPr>
+        <a:xfrm>
+          <a:off x="0" y="0"/>
+          <a:ext cx="0" cy="0"/>
+          <a:chOff x="0" y="0"/>
+          <a:chExt cx="0" cy="0"/>
+        </a:xfrm>
+      </p:grpSpPr>
+      <p:sp>
+        <p:nvSpPr>
+          <p:cNvPr id="2" name="Title 1">
+            <a:extLst>
+              <a:ext uri="{FF2B5EF4-FFF2-40B4-BE49-F238E27FC236}">
+                <a16:creationId xmlns:a16="http://schemas.microsoft.com/office/drawing/2014/main" id="{4C1CC5F4-B06A-425C-9E8E-94F2C5DEB812}"/>
+              </a:ext>
+            </a:extLst>
+          </p:cNvPr>
+          <p:cNvSpPr>
+            <a:spLocks noGrp="1"/>
+          </p:cNvSpPr>
+          <p:nvPr>
+            <p:ph type="title"/>
+          </p:nvPr>
+        </p:nvSpPr>
+        <p:spPr/>
+        <p:txBody>
+          <a:bodyPr/>
+          <a:lstStyle/>
+          <a:p>
+            <a:r>
+              <a:rPr lang="en-US" dirty="0" err="1"/>
+              <a:t>Guiden</a:t>
+            </a:r>
+            <a:r>
+              <a:rPr lang="en-US" dirty="0"/>
+              <a:t> Q&amp;A</a:t>
+            </a:r>
+          </a:p>
+        </p:txBody>
+      </p:sp>
+      <p:sp>
+        <p:nvSpPr>
+          <p:cNvPr id="3" name="Content Placeholder 2">
+            <a:extLst>
+              <a:ext uri="{FF2B5EF4-FFF2-40B4-BE49-F238E27FC236}">
+                <a16:creationId xmlns:a16="http://schemas.microsoft.com/office/drawing/2014/main" id="{F2685D05-5935-4F44-A0C8-5EE8A34E07B3}"/>
+              </a:ext>
+            </a:extLst>
+          </p:cNvPr>
+          <p:cNvSpPr>
+            <a:spLocks noGrp="1"/>
+          </p:cNvSpPr>
+          <p:nvPr>
+            <p:ph idx="1"/>
+          </p:nvPr>
+        </p:nvSpPr>
+        <p:spPr/>
+        <p:txBody>
+          <a:bodyPr/>
+          <a:lstStyle/>
+          <a:p>
+            <a:r>
+              <a:rPr lang="en-US" dirty="0"/>
+              <a:t>Sample Question 1</a:t>
+            </a:r>
+          </a:p>
+          <a:p>
+            <a:r>
+              <a:rPr lang="en-US" dirty="0"/>
+              <a:t>Sample Question 2</a:t>
+            </a:r>
+          </a:p>
+          <a:p>
+            <a:endParaRPr lang="en-US" dirty="0"/>
+          </a:p>
+        </p:txBody>
+      </p:sp>
+    </p:spTree>
+    <p:extLst>
+      <p:ext uri="{BB962C8B-B14F-4D97-AF65-F5344CB8AC3E}">
+        <p14:creationId xmlns:p14="http://schemas.microsoft.com/office/powerpoint/2010/main" val="3821011111"/>
+      </p:ext>
+    </p:extLst>
+  </p:cSld>
+  <p:clrMapOvr>
+    <a:masterClrMapping/>
+  </p:clrMapOvr>
+</p:sld>
+</file>
+
+<file path=ppt/slides/slide9.xml><?xml version="1.0" encoding="utf-8"?>
+<p:sld xmlns:a="http://schemas.openxmlformats.org/drawingml/2006/main" xmlns:r="http://schemas.openxmlformats.org/officeDocument/2006/relationships" xmlns:p="http://schemas.openxmlformats.org/presentationml/2006/main">
+  <p:cSld>
+    <p:spTree>
+      <p:nvGrpSpPr>
+        <p:cNvPr id="1" name=""/>
+        <p:cNvGrpSpPr/>
+        <p:nvPr/>
+      </p:nvGrpSpPr>
+      <p:grpSpPr>
+        <a:xfrm>
+          <a:off x="0" y="0"/>
+          <a:ext cx="0" cy="0"/>
+          <a:chOff x="0" y="0"/>
+          <a:chExt cx="0" cy="0"/>
+        </a:xfrm>
+      </p:grpSpPr>
+      <p:sp>
+        <p:nvSpPr>
+          <p:cNvPr id="2" name="Title 1">
+            <a:extLst>
+              <a:ext uri="{FF2B5EF4-FFF2-40B4-BE49-F238E27FC236}">
+                <a16:creationId xmlns:a16="http://schemas.microsoft.com/office/drawing/2014/main" id="{A584056C-CE01-4493-82F1-3EB937C46D58}"/>
+              </a:ext>
+            </a:extLst>
+          </p:cNvPr>
+          <p:cNvSpPr>
+            <a:spLocks noGrp="1"/>
+          </p:cNvSpPr>
+          <p:nvPr>
+            <p:ph type="title"/>
+          </p:nvPr>
+        </p:nvSpPr>
+        <p:spPr/>
+        <p:txBody>
+          <a:bodyPr/>
+          <a:lstStyle/>
+          <a:p>
+            <a:r>
+              <a:rPr lang="en-US" dirty="0"/>
+              <a:t>Experiment Design</a:t>
+            </a:r>
+          </a:p>
+        </p:txBody>
+      </p:sp>
+      <p:sp>
+        <p:nvSpPr>
+          <p:cNvPr id="3" name="Content Placeholder 2">
+            <a:extLst>
+              <a:ext uri="{FF2B5EF4-FFF2-40B4-BE49-F238E27FC236}">
+                <a16:creationId xmlns:a16="http://schemas.microsoft.com/office/drawing/2014/main" id="{1353AE26-C97F-4F1B-8253-B903D86A9DA8}"/>
+              </a:ext>
+            </a:extLst>
+          </p:cNvPr>
+          <p:cNvSpPr>
+            <a:spLocks noGrp="1"/>
+          </p:cNvSpPr>
+          <p:nvPr>
+            <p:ph idx="1"/>
+          </p:nvPr>
+        </p:nvSpPr>
+        <p:spPr/>
+        <p:txBody>
+          <a:bodyPr/>
+          <a:lstStyle/>
+          <a:p>
+            <a:endParaRPr lang="en-US"/>
+          </a:p>
+        </p:txBody>
+      </p:sp>
+    </p:spTree>
+    <p:extLst>
+      <p:ext uri="{BB962C8B-B14F-4D97-AF65-F5344CB8AC3E}">
+        <p14:creationId xmlns:p14="http://schemas.microsoft.com/office/powerpoint/2010/main" val="1151037316"/>
       </p:ext>
     </p:extLst>
   </p:cSld>

--- a/PaperPresentation02202020.pptx
+++ b/PaperPresentation02202020.pptx
@@ -7843,8 +7843,13 @@
             </a:pPr>
             <a:r>
               <a:rPr lang="en-US" dirty="0"/>
-              <a:t>Define an evaluation suite for lexical composition for NLP models.</a:t>
-            </a:r>
+              <a:t>Define an evaluation suite for lexical composition for </a:t>
+            </a:r>
+            <a:r>
+              <a:rPr lang="en-US"/>
+              <a:t>NLP models</a:t>
+            </a:r>
+            <a:endParaRPr lang="en-US" dirty="0"/>
           </a:p>
           <a:p>
             <a:pPr marL="457200" lvl="1" indent="0">
@@ -7852,7 +7857,7 @@
             </a:pPr>
             <a:r>
               <a:rPr lang="en-US" dirty="0"/>
-              <a:t>- Based on meaning shift and implicit meaning.</a:t>
+              <a:t>- Based on meaning shift and implicit meaning</a:t>
             </a:r>
           </a:p>
           <a:p>
@@ -7861,7 +7866,7 @@
             </a:pPr>
             <a:r>
               <a:rPr lang="en-US" dirty="0"/>
-              <a:t>2) Evaluate some common word representations using this suite.</a:t>
+              <a:t>2) Evaluate some common word representations using this suite</a:t>
             </a:r>
           </a:p>
           <a:p>
@@ -38130,7 +38135,7 @@
             </a:pPr>
             <a:r>
               <a:rPr lang="en-US" sz="2400" dirty="0"/>
-              <a:t>Choose several ambiguous verb-preposition pairs.</a:t>
+              <a:t>Choose several ambiguous verb-preposition pairs</a:t>
             </a:r>
           </a:p>
           <a:p>
@@ -38140,7 +38145,7 @@
             </a:pPr>
             <a:r>
               <a:rPr lang="en-US" sz="2400" dirty="0"/>
-              <a:t>Compute BERT representation for each example of each pair.</a:t>
+              <a:t>Compute BERT representation for each example of each pair</a:t>
             </a:r>
           </a:p>
           <a:p>
@@ -38722,7 +38727,7 @@
             </a:pPr>
             <a:r>
               <a:rPr lang="en-US" sz="2800" dirty="0"/>
-              <a:t>Can word embeddings be used for “word sense induction?</a:t>
+              <a:t>Can word embeddings be used for “word sense induction?”</a:t>
             </a:r>
           </a:p>
           <a:p>
@@ -40870,7 +40875,7 @@
                   </a:schemeClr>
                 </a:solidFill>
               </a:rPr>
-              <a:t>Mask the phrase in the context sentence.</a:t>
+              <a:t>Mask the phrase in the context sentence</a:t>
             </a:r>
           </a:p>
           <a:p>

--- a/PaperPresentation02202020.pptx
+++ b/PaperPresentation02202020.pptx
@@ -52,8 +52,8 @@
     <p:sldId id="305" r:id="rId43"/>
     <p:sldId id="322" r:id="rId44"/>
     <p:sldId id="307" r:id="rId45"/>
-    <p:sldId id="308" r:id="rId46"/>
-    <p:sldId id="309" r:id="rId47"/>
+    <p:sldId id="309" r:id="rId46"/>
+    <p:sldId id="308" r:id="rId47"/>
     <p:sldId id="310" r:id="rId48"/>
     <p:sldId id="323" r:id="rId49"/>
     <p:sldId id="324" r:id="rId50"/>
@@ -2106,7 +2106,7 @@
           <a:p>
             <a:r>
               <a:rPr lang="en-US" dirty="0"/>
-              <a:t>If not enough time, skip ahead to summary slide (56?) </a:t>
+              <a:t>Discuss difference between Meaning Shift and Implicit Meaning</a:t>
             </a:r>
             <a:endParaRPr lang="fr-FR" dirty="0"/>
           </a:p>
@@ -2138,7 +2138,7 @@
     </p:spTree>
     <p:extLst>
       <p:ext uri="{BB962C8B-B14F-4D97-AF65-F5344CB8AC3E}">
-        <p14:creationId xmlns:p14="http://schemas.microsoft.com/office/powerpoint/2010/main" val="1873534082"/>
+        <p14:creationId xmlns:p14="http://schemas.microsoft.com/office/powerpoint/2010/main" val="2481475811"/>
       </p:ext>
     </p:extLst>
   </p:cSld>
@@ -2345,7 +2345,7 @@
           <a:p>
             <a:r>
               <a:rPr lang="en-US" dirty="0"/>
-              <a:t>Discuss difference between Meaning Shift and Implicit Meaning</a:t>
+              <a:t>If not enough time, skip ahead to summary slide (56?) </a:t>
             </a:r>
             <a:endParaRPr lang="fr-FR" dirty="0"/>
           </a:p>
@@ -2377,7 +2377,7 @@
     </p:spTree>
     <p:extLst>
       <p:ext uri="{BB962C8B-B14F-4D97-AF65-F5344CB8AC3E}">
-        <p14:creationId xmlns:p14="http://schemas.microsoft.com/office/powerpoint/2010/main" val="2481475811"/>
+        <p14:creationId xmlns:p14="http://schemas.microsoft.com/office/powerpoint/2010/main" val="1873534082"/>
       </p:ext>
     </p:extLst>
   </p:cSld>
@@ -34198,80 +34198,6 @@
           <p:cNvPr id="2" name="Title 1">
             <a:extLst>
               <a:ext uri="{FF2B5EF4-FFF2-40B4-BE49-F238E27FC236}">
-                <a16:creationId xmlns:a16="http://schemas.microsoft.com/office/drawing/2014/main" id="{6787A2CE-F72B-40E9-8168-8666510FA76E}"/>
-              </a:ext>
-            </a:extLst>
-          </p:cNvPr>
-          <p:cNvSpPr>
-            <a:spLocks noGrp="1"/>
-          </p:cNvSpPr>
-          <p:nvPr>
-            <p:ph type="title"/>
-          </p:nvPr>
-        </p:nvSpPr>
-        <p:spPr>
-          <a:xfrm>
-            <a:off x="3136557" y="1897363"/>
-            <a:ext cx="5599670" cy="1661383"/>
-          </a:xfrm>
-        </p:spPr>
-        <p:txBody>
-          <a:bodyPr>
-            <a:normAutofit fontScale="90000"/>
-          </a:bodyPr>
-          <a:lstStyle/>
-          <a:p>
-            <a:pPr algn="ctr"/>
-            <a:r>
-              <a:rPr lang="en-US" sz="6000" b="1" dirty="0"/>
-              <a:t>Analysis of Results</a:t>
-            </a:r>
-            <a:br>
-              <a:rPr lang="en-US" sz="6000" b="1" dirty="0"/>
-            </a:br>
-            <a:r>
-              <a:rPr lang="en-US" sz="6000" b="1" dirty="0"/>
-              <a:t>(If Time)</a:t>
-            </a:r>
-            <a:endParaRPr lang="fr-FR" sz="6000" b="1" dirty="0"/>
-          </a:p>
-        </p:txBody>
-      </p:sp>
-    </p:spTree>
-    <p:extLst>
-      <p:ext uri="{BB962C8B-B14F-4D97-AF65-F5344CB8AC3E}">
-        <p14:creationId xmlns:p14="http://schemas.microsoft.com/office/powerpoint/2010/main" val="1836389054"/>
-      </p:ext>
-    </p:extLst>
-  </p:cSld>
-  <p:clrMapOvr>
-    <a:masterClrMapping/>
-  </p:clrMapOvr>
-</p:sld>
-</file>
-
-<file path=ppt/slides/slide46.xml><?xml version="1.0" encoding="utf-8"?>
-<p:sld xmlns:a="http://schemas.openxmlformats.org/drawingml/2006/main" xmlns:r="http://schemas.openxmlformats.org/officeDocument/2006/relationships" xmlns:p="http://schemas.openxmlformats.org/presentationml/2006/main">
-  <p:cSld>
-    <p:spTree>
-      <p:nvGrpSpPr>
-        <p:cNvPr id="1" name=""/>
-        <p:cNvGrpSpPr/>
-        <p:nvPr/>
-      </p:nvGrpSpPr>
-      <p:grpSpPr>
-        <a:xfrm>
-          <a:off x="0" y="0"/>
-          <a:ext cx="0" cy="0"/>
-          <a:chOff x="0" y="0"/>
-          <a:chExt cx="0" cy="0"/>
-        </a:xfrm>
-      </p:grpSpPr>
-      <p:sp>
-        <p:nvSpPr>
-          <p:cNvPr id="2" name="Title 1">
-            <a:extLst>
-              <a:ext uri="{FF2B5EF4-FFF2-40B4-BE49-F238E27FC236}">
                 <a16:creationId xmlns:a16="http://schemas.microsoft.com/office/drawing/2014/main" id="{C2B1AB32-9304-42F6-B442-BD40DAC6E69B}"/>
               </a:ext>
             </a:extLst>
@@ -35263,6 +35189,80 @@
     <p:extLst>
       <p:ext uri="{BB962C8B-B14F-4D97-AF65-F5344CB8AC3E}">
         <p14:creationId xmlns:p14="http://schemas.microsoft.com/office/powerpoint/2010/main" val="255647701"/>
+      </p:ext>
+    </p:extLst>
+  </p:cSld>
+  <p:clrMapOvr>
+    <a:masterClrMapping/>
+  </p:clrMapOvr>
+</p:sld>
+</file>
+
+<file path=ppt/slides/slide46.xml><?xml version="1.0" encoding="utf-8"?>
+<p:sld xmlns:a="http://schemas.openxmlformats.org/drawingml/2006/main" xmlns:r="http://schemas.openxmlformats.org/officeDocument/2006/relationships" xmlns:p="http://schemas.openxmlformats.org/presentationml/2006/main">
+  <p:cSld>
+    <p:spTree>
+      <p:nvGrpSpPr>
+        <p:cNvPr id="1" name=""/>
+        <p:cNvGrpSpPr/>
+        <p:nvPr/>
+      </p:nvGrpSpPr>
+      <p:grpSpPr>
+        <a:xfrm>
+          <a:off x="0" y="0"/>
+          <a:ext cx="0" cy="0"/>
+          <a:chOff x="0" y="0"/>
+          <a:chExt cx="0" cy="0"/>
+        </a:xfrm>
+      </p:grpSpPr>
+      <p:sp>
+        <p:nvSpPr>
+          <p:cNvPr id="2" name="Title 1">
+            <a:extLst>
+              <a:ext uri="{FF2B5EF4-FFF2-40B4-BE49-F238E27FC236}">
+                <a16:creationId xmlns:a16="http://schemas.microsoft.com/office/drawing/2014/main" id="{6787A2CE-F72B-40E9-8168-8666510FA76E}"/>
+              </a:ext>
+            </a:extLst>
+          </p:cNvPr>
+          <p:cNvSpPr>
+            <a:spLocks noGrp="1"/>
+          </p:cNvSpPr>
+          <p:nvPr>
+            <p:ph type="title"/>
+          </p:nvPr>
+        </p:nvSpPr>
+        <p:spPr>
+          <a:xfrm>
+            <a:off x="3136557" y="1897363"/>
+            <a:ext cx="5599670" cy="1661383"/>
+          </a:xfrm>
+        </p:spPr>
+        <p:txBody>
+          <a:bodyPr>
+            <a:normAutofit fontScale="90000"/>
+          </a:bodyPr>
+          <a:lstStyle/>
+          <a:p>
+            <a:pPr algn="ctr"/>
+            <a:r>
+              <a:rPr lang="en-US" sz="6000" b="1" dirty="0"/>
+              <a:t>Extra Analysis Tasks</a:t>
+            </a:r>
+            <a:br>
+              <a:rPr lang="en-US" sz="6000" b="1" dirty="0"/>
+            </a:br>
+            <a:r>
+              <a:rPr lang="en-US" sz="6000" b="1" dirty="0"/>
+              <a:t>(If Time)</a:t>
+            </a:r>
+            <a:endParaRPr lang="fr-FR" sz="6000" b="1" dirty="0"/>
+          </a:p>
+        </p:txBody>
+      </p:sp>
+    </p:spTree>
+    <p:extLst>
+      <p:ext uri="{BB962C8B-B14F-4D97-AF65-F5344CB8AC3E}">
+        <p14:creationId xmlns:p14="http://schemas.microsoft.com/office/powerpoint/2010/main" val="1836389054"/>
       </p:ext>
     </p:extLst>
   </p:cSld>
@@ -47904,7 +47904,7 @@
             <a:pPr algn="ctr"/>
             <a:r>
               <a:rPr lang="en-US" sz="2000" b="1" dirty="0"/>
-              <a:t>“Good” Paraphrases</a:t>
+              <a:t>Literal Paraphrases</a:t>
             </a:r>
             <a:endParaRPr lang="fr-FR" sz="2000" b="1" dirty="0"/>
           </a:p>
@@ -47959,7 +47959,7 @@
             <a:pPr algn="ctr"/>
             <a:r>
               <a:rPr lang="en-US" sz="2000" b="1" dirty="0"/>
-              <a:t>“Bad” Paraphrases</a:t>
+              <a:t>Literal non-paraphrase</a:t>
             </a:r>
             <a:endParaRPr lang="fr-FR" sz="2000" b="1" dirty="0"/>
           </a:p>
@@ -48906,38 +48906,6 @@
           </a:p>
         </p:txBody>
       </p:sp>
-      <p:pic>
-        <p:nvPicPr>
-          <p:cNvPr id="4" name="Content Placeholder 3">
-            <a:extLst>
-              <a:ext uri="{FF2B5EF4-FFF2-40B4-BE49-F238E27FC236}">
-                <a16:creationId xmlns:a16="http://schemas.microsoft.com/office/drawing/2014/main" id="{EC6FF9DE-C754-41A7-86F9-FCA82807C62D}"/>
-              </a:ext>
-            </a:extLst>
-          </p:cNvPr>
-          <p:cNvPicPr>
-            <a:picLocks noGrp="1" noChangeAspect="1"/>
-          </p:cNvPicPr>
-          <p:nvPr>
-            <p:ph idx="1"/>
-          </p:nvPr>
-        </p:nvPicPr>
-        <p:blipFill>
-          <a:blip r:embed="rId2"/>
-          <a:stretch>
-            <a:fillRect/>
-          </a:stretch>
-        </p:blipFill>
-        <p:spPr>
-          <a:xfrm>
-            <a:off x="3254229" y="2474040"/>
-            <a:ext cx="5683542" cy="3054507"/>
-          </a:xfrm>
-          <a:prstGeom prst="rect">
-            <a:avLst/>
-          </a:prstGeom>
-        </p:spPr>
-      </p:pic>
       <p:sp>
         <p:nvSpPr>
           <p:cNvPr id="7" name="Rectangle: Rounded Corners 6">
@@ -49424,6 +49392,36 @@
           </a:p>
         </p:txBody>
       </p:sp>
+      <p:pic>
+        <p:nvPicPr>
+          <p:cNvPr id="8" name="Picture 7">
+            <a:extLst>
+              <a:ext uri="{FF2B5EF4-FFF2-40B4-BE49-F238E27FC236}">
+                <a16:creationId xmlns:a16="http://schemas.microsoft.com/office/drawing/2014/main" id="{3E2B0B90-989E-4585-8838-F3C71D12EBBE}"/>
+              </a:ext>
+            </a:extLst>
+          </p:cNvPr>
+          <p:cNvPicPr>
+            <a:picLocks noChangeAspect="1"/>
+          </p:cNvPicPr>
+          <p:nvPr/>
+        </p:nvPicPr>
+        <p:blipFill>
+          <a:blip r:embed="rId2"/>
+          <a:stretch>
+            <a:fillRect/>
+          </a:stretch>
+        </p:blipFill>
+        <p:spPr>
+          <a:xfrm>
+            <a:off x="7457296" y="3639184"/>
+            <a:ext cx="4145334" cy="2271836"/>
+          </a:xfrm>
+          <a:prstGeom prst="rect">
+            <a:avLst/>
+          </a:prstGeom>
+        </p:spPr>
+      </p:pic>
     </p:spTree>
     <p:extLst>
       <p:ext uri="{BB962C8B-B14F-4D97-AF65-F5344CB8AC3E}">
@@ -49736,7 +49734,7 @@
             <a:pPr algn="ctr"/>
             <a:r>
               <a:rPr lang="en-US" sz="2000" b="1" dirty="0"/>
-              <a:t>“Good” Paraphrases</a:t>
+              <a:t>Literal Paraphrases</a:t>
             </a:r>
             <a:endParaRPr lang="fr-FR" sz="2000" b="1" dirty="0"/>
           </a:p>
@@ -49791,7 +49789,7 @@
             <a:pPr algn="ctr"/>
             <a:r>
               <a:rPr lang="en-US" sz="2000" b="1" dirty="0"/>
-              <a:t>“Bad” Paraphrases</a:t>
+              <a:t>Literal non-Paraphrases</a:t>
             </a:r>
             <a:endParaRPr lang="fr-FR" sz="2000" b="1" dirty="0"/>
           </a:p>
@@ -49949,8 +49947,8 @@
         </p:nvSpPr>
         <p:spPr>
           <a:xfrm>
-            <a:off x="691978" y="4425565"/>
-            <a:ext cx="2654642" cy="531344"/>
+            <a:off x="855415" y="4430734"/>
+            <a:ext cx="2837334" cy="531344"/>
           </a:xfrm>
           <a:prstGeom prst="roundRect">
             <a:avLst/>
@@ -49999,8 +49997,8 @@
         </p:nvSpPr>
         <p:spPr>
           <a:xfrm>
-            <a:off x="691978" y="5192454"/>
-            <a:ext cx="2654642" cy="531344"/>
+            <a:off x="855415" y="5197623"/>
+            <a:ext cx="2837334" cy="531344"/>
           </a:xfrm>
           <a:prstGeom prst="roundRect">
             <a:avLst/>
@@ -50034,7 +50032,7 @@
             <a:pPr algn="ctr"/>
             <a:r>
               <a:rPr lang="en-US" sz="2000" b="1" dirty="0"/>
-              <a:t>“Good” Paraphrases</a:t>
+              <a:t>Literal Paraphrases</a:t>
             </a:r>
             <a:endParaRPr lang="fr-FR" sz="2000" b="1" dirty="0"/>
           </a:p>
@@ -50054,8 +50052,8 @@
         </p:nvSpPr>
         <p:spPr>
           <a:xfrm>
-            <a:off x="691978" y="5959343"/>
-            <a:ext cx="2654642" cy="531344"/>
+            <a:off x="855415" y="5964512"/>
+            <a:ext cx="2837334" cy="531344"/>
           </a:xfrm>
           <a:prstGeom prst="roundRect">
             <a:avLst/>
@@ -50089,7 +50087,7 @@
             <a:pPr algn="ctr"/>
             <a:r>
               <a:rPr lang="en-US" sz="2000" b="1" dirty="0"/>
-              <a:t>“Bad” Paraphrases</a:t>
+              <a:t>Literal non- Paraphrases</a:t>
             </a:r>
             <a:endParaRPr lang="fr-FR" sz="2000" b="1" dirty="0"/>
           </a:p>
@@ -50124,7 +50122,7 @@
         </p:blipFill>
         <p:spPr bwMode="auto">
           <a:xfrm>
-            <a:off x="4055832" y="3945881"/>
+            <a:off x="4401961" y="3951050"/>
             <a:ext cx="383332" cy="959367"/>
           </a:xfrm>
           <a:prstGeom prst="rect">
@@ -50171,7 +50169,7 @@
         </p:blipFill>
         <p:spPr bwMode="auto">
           <a:xfrm>
-            <a:off x="4055832" y="4866888"/>
+            <a:off x="4401961" y="4872057"/>
             <a:ext cx="383332" cy="959367"/>
           </a:xfrm>
           <a:prstGeom prst="rect">
@@ -50218,7 +50216,7 @@
         </p:blipFill>
         <p:spPr bwMode="auto">
           <a:xfrm>
-            <a:off x="4048624" y="5787895"/>
+            <a:off x="4394753" y="5793064"/>
             <a:ext cx="383332" cy="959367"/>
           </a:xfrm>
           <a:prstGeom prst="rect">
@@ -50250,7 +50248,7 @@
         </p:nvSpPr>
         <p:spPr>
           <a:xfrm rot="16200000">
-            <a:off x="3536100" y="5131859"/>
+            <a:off x="3882229" y="5137028"/>
             <a:ext cx="343141" cy="526979"/>
           </a:xfrm>
           <a:prstGeom prst="downArrow">
@@ -50301,7 +50299,7 @@
         </p:nvSpPr>
         <p:spPr>
           <a:xfrm rot="15346877">
-            <a:off x="3502030" y="4364064"/>
+            <a:off x="3848159" y="4369233"/>
             <a:ext cx="343141" cy="526979"/>
           </a:xfrm>
           <a:prstGeom prst="downArrow">
@@ -50347,7 +50345,7 @@
         </p:nvSpPr>
         <p:spPr>
           <a:xfrm rot="17243536">
-            <a:off x="3563653" y="5981508"/>
+            <a:off x="3909782" y="5986677"/>
             <a:ext cx="343141" cy="526979"/>
           </a:xfrm>
           <a:prstGeom prst="downArrow">
@@ -50398,7 +50396,7 @@
         </p:nvSpPr>
         <p:spPr>
           <a:xfrm rot="16200000">
-            <a:off x="4698900" y="5149151"/>
+            <a:off x="5045029" y="5154320"/>
             <a:ext cx="343141" cy="526979"/>
           </a:xfrm>
           <a:prstGeom prst="downArrow">
@@ -50449,7 +50447,7 @@
         </p:nvSpPr>
         <p:spPr>
           <a:xfrm rot="16200000">
-            <a:off x="4674857" y="4246390"/>
+            <a:off x="5020986" y="4251559"/>
             <a:ext cx="343141" cy="526979"/>
           </a:xfrm>
           <a:prstGeom prst="downArrow">
@@ -50495,7 +50493,7 @@
         </p:nvSpPr>
         <p:spPr>
           <a:xfrm rot="16200000">
-            <a:off x="4698900" y="6004088"/>
+            <a:off x="5045029" y="6009257"/>
             <a:ext cx="343141" cy="526979"/>
           </a:xfrm>
           <a:prstGeom prst="downArrow">
@@ -50546,7 +50544,7 @@
         </p:nvSpPr>
         <p:spPr>
           <a:xfrm>
-            <a:off x="5148376" y="4312118"/>
+            <a:off x="5494505" y="4317287"/>
             <a:ext cx="1563130" cy="400110"/>
           </a:xfrm>
           <a:prstGeom prst="rect">
@@ -50594,7 +50592,7 @@
         </p:nvSpPr>
         <p:spPr>
           <a:xfrm>
-            <a:off x="5212571" y="5173725"/>
+            <a:off x="5558700" y="5178894"/>
             <a:ext cx="1563130" cy="400110"/>
           </a:xfrm>
           <a:prstGeom prst="rect">
@@ -50642,7 +50640,7 @@
         </p:nvSpPr>
         <p:spPr>
           <a:xfrm>
-            <a:off x="5168923" y="6039038"/>
+            <a:off x="5515052" y="6044207"/>
             <a:ext cx="1563130" cy="400110"/>
           </a:xfrm>
           <a:prstGeom prst="rect">
@@ -50690,7 +50688,7 @@
         </p:nvSpPr>
         <p:spPr>
           <a:xfrm>
-            <a:off x="7058042" y="4931072"/>
+            <a:off x="7523917" y="4936241"/>
             <a:ext cx="3565415" cy="830997"/>
           </a:xfrm>
           <a:prstGeom prst="rect">
@@ -50794,7 +50792,7 @@
           <a:p>
             <a:r>
               <a:rPr lang="en-US" dirty="0"/>
-              <a:t>Choice of “bad” Paraphrases is important</a:t>
+              <a:t>Choice of non-paraphrases is important</a:t>
             </a:r>
             <a:r>
               <a:rPr lang="fr-FR" dirty="0"/>
@@ -50808,36 +50806,6 @@
           </a:p>
         </p:txBody>
       </p:sp>
-      <p:pic>
-        <p:nvPicPr>
-          <p:cNvPr id="4" name="Picture 3">
-            <a:extLst>
-              <a:ext uri="{FF2B5EF4-FFF2-40B4-BE49-F238E27FC236}">
-                <a16:creationId xmlns:a16="http://schemas.microsoft.com/office/drawing/2014/main" id="{09E77EA5-39BE-4AC7-97CD-7EED752ED6E1}"/>
-              </a:ext>
-            </a:extLst>
-          </p:cNvPr>
-          <p:cNvPicPr>
-            <a:picLocks noChangeAspect="1"/>
-          </p:cNvPicPr>
-          <p:nvPr/>
-        </p:nvPicPr>
-        <p:blipFill>
-          <a:blip r:embed="rId2"/>
-          <a:stretch>
-            <a:fillRect/>
-          </a:stretch>
-        </p:blipFill>
-        <p:spPr>
-          <a:xfrm>
-            <a:off x="838200" y="2869641"/>
-            <a:ext cx="6921500" cy="2226104"/>
-          </a:xfrm>
-          <a:prstGeom prst="rect">
-            <a:avLst/>
-          </a:prstGeom>
-        </p:spPr>
-      </p:pic>
       <p:sp>
         <p:nvSpPr>
           <p:cNvPr id="5" name="Rectangle: Rounded Corners 4">
@@ -50998,6 +50966,36 @@
           </a:p>
         </p:txBody>
       </p:sp>
+      <p:pic>
+        <p:nvPicPr>
+          <p:cNvPr id="8" name="Picture 7">
+            <a:extLst>
+              <a:ext uri="{FF2B5EF4-FFF2-40B4-BE49-F238E27FC236}">
+                <a16:creationId xmlns:a16="http://schemas.microsoft.com/office/drawing/2014/main" id="{275BC3BF-5BC3-468A-BDD0-6A70FDC4CD7F}"/>
+              </a:ext>
+            </a:extLst>
+          </p:cNvPr>
+          <p:cNvPicPr>
+            <a:picLocks noChangeAspect="1"/>
+          </p:cNvPicPr>
+          <p:nvPr/>
+        </p:nvPicPr>
+        <p:blipFill>
+          <a:blip r:embed="rId2"/>
+          <a:stretch>
+            <a:fillRect/>
+          </a:stretch>
+        </p:blipFill>
+        <p:spPr>
+          <a:xfrm>
+            <a:off x="2168204" y="3052522"/>
+            <a:ext cx="6119390" cy="1897544"/>
+          </a:xfrm>
+          <a:prstGeom prst="rect">
+            <a:avLst/>
+          </a:prstGeom>
+        </p:spPr>
+      </p:pic>
     </p:spTree>
     <p:extLst>
       <p:ext uri="{BB962C8B-B14F-4D97-AF65-F5344CB8AC3E}">
